--- a/ca.mcgill.cs.swevo.qualyzer/splash.pptx
+++ b/ca.mcgill.cs.swevo.qualyzer/splash.pptx
@@ -289,7 +289,7 @@
             <a:fld id="{77CFC0F2-488D-422B-ADC0-4A8D12F54259}" type="datetimeFigureOut">
               <a:rPr lang="en-US" smtClean="0"/>
               <a:pPr/>
-              <a:t>7/7/2010</a:t>
+              <a:t>8/3/2010</a:t>
             </a:fld>
             <a:endParaRPr lang="en-US"/>
           </a:p>
@@ -456,7 +456,7 @@
             <a:fld id="{77CFC0F2-488D-422B-ADC0-4A8D12F54259}" type="datetimeFigureOut">
               <a:rPr lang="en-US" smtClean="0"/>
               <a:pPr/>
-              <a:t>7/7/2010</a:t>
+              <a:t>8/3/2010</a:t>
             </a:fld>
             <a:endParaRPr lang="en-US"/>
           </a:p>
@@ -633,7 +633,7 @@
             <a:fld id="{77CFC0F2-488D-422B-ADC0-4A8D12F54259}" type="datetimeFigureOut">
               <a:rPr lang="en-US" smtClean="0"/>
               <a:pPr/>
-              <a:t>7/7/2010</a:t>
+              <a:t>8/3/2010</a:t>
             </a:fld>
             <a:endParaRPr lang="en-US"/>
           </a:p>
@@ -800,7 +800,7 @@
             <a:fld id="{77CFC0F2-488D-422B-ADC0-4A8D12F54259}" type="datetimeFigureOut">
               <a:rPr lang="en-US" smtClean="0"/>
               <a:pPr/>
-              <a:t>7/7/2010</a:t>
+              <a:t>8/3/2010</a:t>
             </a:fld>
             <a:endParaRPr lang="en-US"/>
           </a:p>
@@ -1043,7 +1043,7 @@
             <a:fld id="{77CFC0F2-488D-422B-ADC0-4A8D12F54259}" type="datetimeFigureOut">
               <a:rPr lang="en-US" smtClean="0"/>
               <a:pPr/>
-              <a:t>7/7/2010</a:t>
+              <a:t>8/3/2010</a:t>
             </a:fld>
             <a:endParaRPr lang="en-US"/>
           </a:p>
@@ -1328,7 +1328,7 @@
             <a:fld id="{77CFC0F2-488D-422B-ADC0-4A8D12F54259}" type="datetimeFigureOut">
               <a:rPr lang="en-US" smtClean="0"/>
               <a:pPr/>
-              <a:t>7/7/2010</a:t>
+              <a:t>8/3/2010</a:t>
             </a:fld>
             <a:endParaRPr lang="en-US"/>
           </a:p>
@@ -1747,7 +1747,7 @@
             <a:fld id="{77CFC0F2-488D-422B-ADC0-4A8D12F54259}" type="datetimeFigureOut">
               <a:rPr lang="en-US" smtClean="0"/>
               <a:pPr/>
-              <a:t>7/7/2010</a:t>
+              <a:t>8/3/2010</a:t>
             </a:fld>
             <a:endParaRPr lang="en-US"/>
           </a:p>
@@ -1862,7 +1862,7 @@
             <a:fld id="{77CFC0F2-488D-422B-ADC0-4A8D12F54259}" type="datetimeFigureOut">
               <a:rPr lang="en-US" smtClean="0"/>
               <a:pPr/>
-              <a:t>7/7/2010</a:t>
+              <a:t>8/3/2010</a:t>
             </a:fld>
             <a:endParaRPr lang="en-US"/>
           </a:p>
@@ -1954,7 +1954,7 @@
             <a:fld id="{77CFC0F2-488D-422B-ADC0-4A8D12F54259}" type="datetimeFigureOut">
               <a:rPr lang="en-US" smtClean="0"/>
               <a:pPr/>
-              <a:t>7/7/2010</a:t>
+              <a:t>8/3/2010</a:t>
             </a:fld>
             <a:endParaRPr lang="en-US"/>
           </a:p>
@@ -2228,7 +2228,7 @@
             <a:fld id="{77CFC0F2-488D-422B-ADC0-4A8D12F54259}" type="datetimeFigureOut">
               <a:rPr lang="en-US" smtClean="0"/>
               <a:pPr/>
-              <a:t>7/7/2010</a:t>
+              <a:t>8/3/2010</a:t>
             </a:fld>
             <a:endParaRPr lang="en-US"/>
           </a:p>
@@ -2478,7 +2478,7 @@
             <a:fld id="{77CFC0F2-488D-422B-ADC0-4A8D12F54259}" type="datetimeFigureOut">
               <a:rPr lang="en-US" smtClean="0"/>
               <a:pPr/>
-              <a:t>7/7/2010</a:t>
+              <a:t>8/3/2010</a:t>
             </a:fld>
             <a:endParaRPr lang="en-US"/>
           </a:p>
@@ -2688,7 +2688,7 @@
             <a:fld id="{77CFC0F2-488D-422B-ADC0-4A8D12F54259}" type="datetimeFigureOut">
               <a:rPr lang="en-US" smtClean="0"/>
               <a:pPr/>
-              <a:t>7/7/2010</a:t>
+              <a:t>8/3/2010</a:t>
             </a:fld>
             <a:endParaRPr lang="en-US"/>
           </a:p>
@@ -3285,7 +3285,7 @@
                   </a:schemeClr>
                 </a:solidFill>
               </a:rPr>
-              <a:t>0.2.0</a:t>
+              <a:t>0.3.0</a:t>
             </a:r>
             <a:endParaRPr lang="en-US" sz="1050" dirty="0">
               <a:solidFill>

--- a/ca.mcgill.cs.swevo.qualyzer/splash.pptx
+++ b/ca.mcgill.cs.swevo.qualyzer/splash.pptx
@@ -289,7 +289,7 @@
             <a:fld id="{77CFC0F2-488D-422B-ADC0-4A8D12F54259}" type="datetimeFigureOut">
               <a:rPr lang="en-US" smtClean="0"/>
               <a:pPr/>
-              <a:t>8/3/2010</a:t>
+              <a:t>8/17/2010</a:t>
             </a:fld>
             <a:endParaRPr lang="en-US"/>
           </a:p>
@@ -456,7 +456,7 @@
             <a:fld id="{77CFC0F2-488D-422B-ADC0-4A8D12F54259}" type="datetimeFigureOut">
               <a:rPr lang="en-US" smtClean="0"/>
               <a:pPr/>
-              <a:t>8/3/2010</a:t>
+              <a:t>8/17/2010</a:t>
             </a:fld>
             <a:endParaRPr lang="en-US"/>
           </a:p>
@@ -633,7 +633,7 @@
             <a:fld id="{77CFC0F2-488D-422B-ADC0-4A8D12F54259}" type="datetimeFigureOut">
               <a:rPr lang="en-US" smtClean="0"/>
               <a:pPr/>
-              <a:t>8/3/2010</a:t>
+              <a:t>8/17/2010</a:t>
             </a:fld>
             <a:endParaRPr lang="en-US"/>
           </a:p>
@@ -800,7 +800,7 @@
             <a:fld id="{77CFC0F2-488D-422B-ADC0-4A8D12F54259}" type="datetimeFigureOut">
               <a:rPr lang="en-US" smtClean="0"/>
               <a:pPr/>
-              <a:t>8/3/2010</a:t>
+              <a:t>8/17/2010</a:t>
             </a:fld>
             <a:endParaRPr lang="en-US"/>
           </a:p>
@@ -1043,7 +1043,7 @@
             <a:fld id="{77CFC0F2-488D-422B-ADC0-4A8D12F54259}" type="datetimeFigureOut">
               <a:rPr lang="en-US" smtClean="0"/>
               <a:pPr/>
-              <a:t>8/3/2010</a:t>
+              <a:t>8/17/2010</a:t>
             </a:fld>
             <a:endParaRPr lang="en-US"/>
           </a:p>
@@ -1328,7 +1328,7 @@
             <a:fld id="{77CFC0F2-488D-422B-ADC0-4A8D12F54259}" type="datetimeFigureOut">
               <a:rPr lang="en-US" smtClean="0"/>
               <a:pPr/>
-              <a:t>8/3/2010</a:t>
+              <a:t>8/17/2010</a:t>
             </a:fld>
             <a:endParaRPr lang="en-US"/>
           </a:p>
@@ -1747,7 +1747,7 @@
             <a:fld id="{77CFC0F2-488D-422B-ADC0-4A8D12F54259}" type="datetimeFigureOut">
               <a:rPr lang="en-US" smtClean="0"/>
               <a:pPr/>
-              <a:t>8/3/2010</a:t>
+              <a:t>8/17/2010</a:t>
             </a:fld>
             <a:endParaRPr lang="en-US"/>
           </a:p>
@@ -1862,7 +1862,7 @@
             <a:fld id="{77CFC0F2-488D-422B-ADC0-4A8D12F54259}" type="datetimeFigureOut">
               <a:rPr lang="en-US" smtClean="0"/>
               <a:pPr/>
-              <a:t>8/3/2010</a:t>
+              <a:t>8/17/2010</a:t>
             </a:fld>
             <a:endParaRPr lang="en-US"/>
           </a:p>
@@ -1954,7 +1954,7 @@
             <a:fld id="{77CFC0F2-488D-422B-ADC0-4A8D12F54259}" type="datetimeFigureOut">
               <a:rPr lang="en-US" smtClean="0"/>
               <a:pPr/>
-              <a:t>8/3/2010</a:t>
+              <a:t>8/17/2010</a:t>
             </a:fld>
             <a:endParaRPr lang="en-US"/>
           </a:p>
@@ -2228,7 +2228,7 @@
             <a:fld id="{77CFC0F2-488D-422B-ADC0-4A8D12F54259}" type="datetimeFigureOut">
               <a:rPr lang="en-US" smtClean="0"/>
               <a:pPr/>
-              <a:t>8/3/2010</a:t>
+              <a:t>8/17/2010</a:t>
             </a:fld>
             <a:endParaRPr lang="en-US"/>
           </a:p>
@@ -2478,7 +2478,7 @@
             <a:fld id="{77CFC0F2-488D-422B-ADC0-4A8D12F54259}" type="datetimeFigureOut">
               <a:rPr lang="en-US" smtClean="0"/>
               <a:pPr/>
-              <a:t>8/3/2010</a:t>
+              <a:t>8/17/2010</a:t>
             </a:fld>
             <a:endParaRPr lang="en-US"/>
           </a:p>
@@ -2688,7 +2688,7 @@
             <a:fld id="{77CFC0F2-488D-422B-ADC0-4A8D12F54259}" type="datetimeFigureOut">
               <a:rPr lang="en-US" smtClean="0"/>
               <a:pPr/>
-              <a:t>8/3/2010</a:t>
+              <a:t>8/17/2010</a:t>
             </a:fld>
             <a:endParaRPr lang="en-US"/>
           </a:p>
@@ -3285,7 +3285,7 @@
                   </a:schemeClr>
                 </a:solidFill>
               </a:rPr>
-              <a:t>0.3.0</a:t>
+              <a:t>1.0.0</a:t>
             </a:r>
             <a:endParaRPr lang="en-US" sz="1050" dirty="0">
               <a:solidFill>

--- a/ca.mcgill.cs.swevo.qualyzer/splash.pptx
+++ b/ca.mcgill.cs.swevo.qualyzer/splash.pptx
@@ -289,7 +289,7 @@
             <a:fld id="{77CFC0F2-488D-422B-ADC0-4A8D12F54259}" type="datetimeFigureOut">
               <a:rPr lang="en-US" smtClean="0"/>
               <a:pPr/>
-              <a:t>8/17/2010</a:t>
+              <a:t>9/2/2010</a:t>
             </a:fld>
             <a:endParaRPr lang="en-US"/>
           </a:p>
@@ -456,7 +456,7 @@
             <a:fld id="{77CFC0F2-488D-422B-ADC0-4A8D12F54259}" type="datetimeFigureOut">
               <a:rPr lang="en-US" smtClean="0"/>
               <a:pPr/>
-              <a:t>8/17/2010</a:t>
+              <a:t>9/2/2010</a:t>
             </a:fld>
             <a:endParaRPr lang="en-US"/>
           </a:p>
@@ -633,7 +633,7 @@
             <a:fld id="{77CFC0F2-488D-422B-ADC0-4A8D12F54259}" type="datetimeFigureOut">
               <a:rPr lang="en-US" smtClean="0"/>
               <a:pPr/>
-              <a:t>8/17/2010</a:t>
+              <a:t>9/2/2010</a:t>
             </a:fld>
             <a:endParaRPr lang="en-US"/>
           </a:p>
@@ -800,7 +800,7 @@
             <a:fld id="{77CFC0F2-488D-422B-ADC0-4A8D12F54259}" type="datetimeFigureOut">
               <a:rPr lang="en-US" smtClean="0"/>
               <a:pPr/>
-              <a:t>8/17/2010</a:t>
+              <a:t>9/2/2010</a:t>
             </a:fld>
             <a:endParaRPr lang="en-US"/>
           </a:p>
@@ -1043,7 +1043,7 @@
             <a:fld id="{77CFC0F2-488D-422B-ADC0-4A8D12F54259}" type="datetimeFigureOut">
               <a:rPr lang="en-US" smtClean="0"/>
               <a:pPr/>
-              <a:t>8/17/2010</a:t>
+              <a:t>9/2/2010</a:t>
             </a:fld>
             <a:endParaRPr lang="en-US"/>
           </a:p>
@@ -1328,7 +1328,7 @@
             <a:fld id="{77CFC0F2-488D-422B-ADC0-4A8D12F54259}" type="datetimeFigureOut">
               <a:rPr lang="en-US" smtClean="0"/>
               <a:pPr/>
-              <a:t>8/17/2010</a:t>
+              <a:t>9/2/2010</a:t>
             </a:fld>
             <a:endParaRPr lang="en-US"/>
           </a:p>
@@ -1747,7 +1747,7 @@
             <a:fld id="{77CFC0F2-488D-422B-ADC0-4A8D12F54259}" type="datetimeFigureOut">
               <a:rPr lang="en-US" smtClean="0"/>
               <a:pPr/>
-              <a:t>8/17/2010</a:t>
+              <a:t>9/2/2010</a:t>
             </a:fld>
             <a:endParaRPr lang="en-US"/>
           </a:p>
@@ -1862,7 +1862,7 @@
             <a:fld id="{77CFC0F2-488D-422B-ADC0-4A8D12F54259}" type="datetimeFigureOut">
               <a:rPr lang="en-US" smtClean="0"/>
               <a:pPr/>
-              <a:t>8/17/2010</a:t>
+              <a:t>9/2/2010</a:t>
             </a:fld>
             <a:endParaRPr lang="en-US"/>
           </a:p>
@@ -1954,7 +1954,7 @@
             <a:fld id="{77CFC0F2-488D-422B-ADC0-4A8D12F54259}" type="datetimeFigureOut">
               <a:rPr lang="en-US" smtClean="0"/>
               <a:pPr/>
-              <a:t>8/17/2010</a:t>
+              <a:t>9/2/2010</a:t>
             </a:fld>
             <a:endParaRPr lang="en-US"/>
           </a:p>
@@ -2228,7 +2228,7 @@
             <a:fld id="{77CFC0F2-488D-422B-ADC0-4A8D12F54259}" type="datetimeFigureOut">
               <a:rPr lang="en-US" smtClean="0"/>
               <a:pPr/>
-              <a:t>8/17/2010</a:t>
+              <a:t>9/2/2010</a:t>
             </a:fld>
             <a:endParaRPr lang="en-US"/>
           </a:p>
@@ -2478,7 +2478,7 @@
             <a:fld id="{77CFC0F2-488D-422B-ADC0-4A8D12F54259}" type="datetimeFigureOut">
               <a:rPr lang="en-US" smtClean="0"/>
               <a:pPr/>
-              <a:t>8/17/2010</a:t>
+              <a:t>9/2/2010</a:t>
             </a:fld>
             <a:endParaRPr lang="en-US"/>
           </a:p>
@@ -2688,7 +2688,7 @@
             <a:fld id="{77CFC0F2-488D-422B-ADC0-4A8D12F54259}" type="datetimeFigureOut">
               <a:rPr lang="en-US" smtClean="0"/>
               <a:pPr/>
-              <a:t>8/17/2010</a:t>
+              <a:t>9/2/2010</a:t>
             </a:fld>
             <a:endParaRPr lang="en-US"/>
           </a:p>
@@ -3285,7 +3285,7 @@
                   </a:schemeClr>
                 </a:solidFill>
               </a:rPr>
-              <a:t>1.0.0</a:t>
+              <a:t>1.1.0</a:t>
             </a:r>
             <a:endParaRPr lang="en-US" sz="1050" dirty="0">
               <a:solidFill>

--- a/ca.mcgill.cs.swevo.qualyzer/splash.pptx
+++ b/ca.mcgill.cs.swevo.qualyzer/splash.pptx
@@ -289,7 +289,7 @@
             <a:fld id="{77CFC0F2-488D-422B-ADC0-4A8D12F54259}" type="datetimeFigureOut">
               <a:rPr lang="en-US" smtClean="0"/>
               <a:pPr/>
-              <a:t>9/2/2010</a:t>
+              <a:t>10/2/2010</a:t>
             </a:fld>
             <a:endParaRPr lang="en-US"/>
           </a:p>
@@ -456,7 +456,7 @@
             <a:fld id="{77CFC0F2-488D-422B-ADC0-4A8D12F54259}" type="datetimeFigureOut">
               <a:rPr lang="en-US" smtClean="0"/>
               <a:pPr/>
-              <a:t>9/2/2010</a:t>
+              <a:t>10/2/2010</a:t>
             </a:fld>
             <a:endParaRPr lang="en-US"/>
           </a:p>
@@ -633,7 +633,7 @@
             <a:fld id="{77CFC0F2-488D-422B-ADC0-4A8D12F54259}" type="datetimeFigureOut">
               <a:rPr lang="en-US" smtClean="0"/>
               <a:pPr/>
-              <a:t>9/2/2010</a:t>
+              <a:t>10/2/2010</a:t>
             </a:fld>
             <a:endParaRPr lang="en-US"/>
           </a:p>
@@ -800,7 +800,7 @@
             <a:fld id="{77CFC0F2-488D-422B-ADC0-4A8D12F54259}" type="datetimeFigureOut">
               <a:rPr lang="en-US" smtClean="0"/>
               <a:pPr/>
-              <a:t>9/2/2010</a:t>
+              <a:t>10/2/2010</a:t>
             </a:fld>
             <a:endParaRPr lang="en-US"/>
           </a:p>
@@ -1043,7 +1043,7 @@
             <a:fld id="{77CFC0F2-488D-422B-ADC0-4A8D12F54259}" type="datetimeFigureOut">
               <a:rPr lang="en-US" smtClean="0"/>
               <a:pPr/>
-              <a:t>9/2/2010</a:t>
+              <a:t>10/2/2010</a:t>
             </a:fld>
             <a:endParaRPr lang="en-US"/>
           </a:p>
@@ -1328,7 +1328,7 @@
             <a:fld id="{77CFC0F2-488D-422B-ADC0-4A8D12F54259}" type="datetimeFigureOut">
               <a:rPr lang="en-US" smtClean="0"/>
               <a:pPr/>
-              <a:t>9/2/2010</a:t>
+              <a:t>10/2/2010</a:t>
             </a:fld>
             <a:endParaRPr lang="en-US"/>
           </a:p>
@@ -1747,7 +1747,7 @@
             <a:fld id="{77CFC0F2-488D-422B-ADC0-4A8D12F54259}" type="datetimeFigureOut">
               <a:rPr lang="en-US" smtClean="0"/>
               <a:pPr/>
-              <a:t>9/2/2010</a:t>
+              <a:t>10/2/2010</a:t>
             </a:fld>
             <a:endParaRPr lang="en-US"/>
           </a:p>
@@ -1862,7 +1862,7 @@
             <a:fld id="{77CFC0F2-488D-422B-ADC0-4A8D12F54259}" type="datetimeFigureOut">
               <a:rPr lang="en-US" smtClean="0"/>
               <a:pPr/>
-              <a:t>9/2/2010</a:t>
+              <a:t>10/2/2010</a:t>
             </a:fld>
             <a:endParaRPr lang="en-US"/>
           </a:p>
@@ -1954,7 +1954,7 @@
             <a:fld id="{77CFC0F2-488D-422B-ADC0-4A8D12F54259}" type="datetimeFigureOut">
               <a:rPr lang="en-US" smtClean="0"/>
               <a:pPr/>
-              <a:t>9/2/2010</a:t>
+              <a:t>10/2/2010</a:t>
             </a:fld>
             <a:endParaRPr lang="en-US"/>
           </a:p>
@@ -2228,7 +2228,7 @@
             <a:fld id="{77CFC0F2-488D-422B-ADC0-4A8D12F54259}" type="datetimeFigureOut">
               <a:rPr lang="en-US" smtClean="0"/>
               <a:pPr/>
-              <a:t>9/2/2010</a:t>
+              <a:t>10/2/2010</a:t>
             </a:fld>
             <a:endParaRPr lang="en-US"/>
           </a:p>
@@ -2478,7 +2478,7 @@
             <a:fld id="{77CFC0F2-488D-422B-ADC0-4A8D12F54259}" type="datetimeFigureOut">
               <a:rPr lang="en-US" smtClean="0"/>
               <a:pPr/>
-              <a:t>9/2/2010</a:t>
+              <a:t>10/2/2010</a:t>
             </a:fld>
             <a:endParaRPr lang="en-US"/>
           </a:p>
@@ -2688,7 +2688,7 @@
             <a:fld id="{77CFC0F2-488D-422B-ADC0-4A8D12F54259}" type="datetimeFigureOut">
               <a:rPr lang="en-US" smtClean="0"/>
               <a:pPr/>
-              <a:t>9/2/2010</a:t>
+              <a:t>10/2/2010</a:t>
             </a:fld>
             <a:endParaRPr lang="en-US"/>
           </a:p>
@@ -3073,14 +3073,10 @@
           <a:prstGeom prst="rect">
             <a:avLst/>
           </a:prstGeom>
-          <a:effectLst>
-            <a:outerShdw blurRad="40000" dist="20000" dir="5400000" rotWithShape="0">
-              <a:srgbClr val="000000">
-                <a:alpha val="38000"/>
-              </a:srgbClr>
-            </a:outerShdw>
-            <a:softEdge rad="63500"/>
-          </a:effectLst>
+          <a:ln>
+            <a:noFill/>
+          </a:ln>
+          <a:effectLst/>
         </p:spPr>
         <p:style>
           <a:lnRef idx="1">
@@ -3252,7 +3248,7 @@
         <p:spPr>
           <a:xfrm>
             <a:off x="4448015" y="3115160"/>
-            <a:ext cx="946093" cy="261610"/>
+            <a:ext cx="912429" cy="253916"/>
           </a:xfrm>
           <a:prstGeom prst="rect">
             <a:avLst/>
@@ -3285,7 +3281,7 @@
                   </a:schemeClr>
                 </a:solidFill>
               </a:rPr>
-              <a:t>1.1.0</a:t>
+              <a:t>1.1.1</a:t>
             </a:r>
             <a:endParaRPr lang="en-US" sz="1050" dirty="0">
               <a:solidFill>

--- a/ca.mcgill.cs.swevo.qualyzer/splash.pptx
+++ b/ca.mcgill.cs.swevo.qualyzer/splash.pptx
@@ -289,7 +289,7 @@
             <a:fld id="{77CFC0F2-488D-422B-ADC0-4A8D12F54259}" type="datetimeFigureOut">
               <a:rPr lang="en-US" smtClean="0"/>
               <a:pPr/>
-              <a:t>10/2/2010</a:t>
+              <a:t>12/7/2010</a:t>
             </a:fld>
             <a:endParaRPr lang="en-US"/>
           </a:p>
@@ -456,7 +456,7 @@
             <a:fld id="{77CFC0F2-488D-422B-ADC0-4A8D12F54259}" type="datetimeFigureOut">
               <a:rPr lang="en-US" smtClean="0"/>
               <a:pPr/>
-              <a:t>10/2/2010</a:t>
+              <a:t>12/7/2010</a:t>
             </a:fld>
             <a:endParaRPr lang="en-US"/>
           </a:p>
@@ -633,7 +633,7 @@
             <a:fld id="{77CFC0F2-488D-422B-ADC0-4A8D12F54259}" type="datetimeFigureOut">
               <a:rPr lang="en-US" smtClean="0"/>
               <a:pPr/>
-              <a:t>10/2/2010</a:t>
+              <a:t>12/7/2010</a:t>
             </a:fld>
             <a:endParaRPr lang="en-US"/>
           </a:p>
@@ -800,7 +800,7 @@
             <a:fld id="{77CFC0F2-488D-422B-ADC0-4A8D12F54259}" type="datetimeFigureOut">
               <a:rPr lang="en-US" smtClean="0"/>
               <a:pPr/>
-              <a:t>10/2/2010</a:t>
+              <a:t>12/7/2010</a:t>
             </a:fld>
             <a:endParaRPr lang="en-US"/>
           </a:p>
@@ -1043,7 +1043,7 @@
             <a:fld id="{77CFC0F2-488D-422B-ADC0-4A8D12F54259}" type="datetimeFigureOut">
               <a:rPr lang="en-US" smtClean="0"/>
               <a:pPr/>
-              <a:t>10/2/2010</a:t>
+              <a:t>12/7/2010</a:t>
             </a:fld>
             <a:endParaRPr lang="en-US"/>
           </a:p>
@@ -1328,7 +1328,7 @@
             <a:fld id="{77CFC0F2-488D-422B-ADC0-4A8D12F54259}" type="datetimeFigureOut">
               <a:rPr lang="en-US" smtClean="0"/>
               <a:pPr/>
-              <a:t>10/2/2010</a:t>
+              <a:t>12/7/2010</a:t>
             </a:fld>
             <a:endParaRPr lang="en-US"/>
           </a:p>
@@ -1747,7 +1747,7 @@
             <a:fld id="{77CFC0F2-488D-422B-ADC0-4A8D12F54259}" type="datetimeFigureOut">
               <a:rPr lang="en-US" smtClean="0"/>
               <a:pPr/>
-              <a:t>10/2/2010</a:t>
+              <a:t>12/7/2010</a:t>
             </a:fld>
             <a:endParaRPr lang="en-US"/>
           </a:p>
@@ -1862,7 +1862,7 @@
             <a:fld id="{77CFC0F2-488D-422B-ADC0-4A8D12F54259}" type="datetimeFigureOut">
               <a:rPr lang="en-US" smtClean="0"/>
               <a:pPr/>
-              <a:t>10/2/2010</a:t>
+              <a:t>12/7/2010</a:t>
             </a:fld>
             <a:endParaRPr lang="en-US"/>
           </a:p>
@@ -1954,7 +1954,7 @@
             <a:fld id="{77CFC0F2-488D-422B-ADC0-4A8D12F54259}" type="datetimeFigureOut">
               <a:rPr lang="en-US" smtClean="0"/>
               <a:pPr/>
-              <a:t>10/2/2010</a:t>
+              <a:t>12/7/2010</a:t>
             </a:fld>
             <a:endParaRPr lang="en-US"/>
           </a:p>
@@ -2228,7 +2228,7 @@
             <a:fld id="{77CFC0F2-488D-422B-ADC0-4A8D12F54259}" type="datetimeFigureOut">
               <a:rPr lang="en-US" smtClean="0"/>
               <a:pPr/>
-              <a:t>10/2/2010</a:t>
+              <a:t>12/7/2010</a:t>
             </a:fld>
             <a:endParaRPr lang="en-US"/>
           </a:p>
@@ -2478,7 +2478,7 @@
             <a:fld id="{77CFC0F2-488D-422B-ADC0-4A8D12F54259}" type="datetimeFigureOut">
               <a:rPr lang="en-US" smtClean="0"/>
               <a:pPr/>
-              <a:t>10/2/2010</a:t>
+              <a:t>12/7/2010</a:t>
             </a:fld>
             <a:endParaRPr lang="en-US"/>
           </a:p>
@@ -2688,7 +2688,7 @@
             <a:fld id="{77CFC0F2-488D-422B-ADC0-4A8D12F54259}" type="datetimeFigureOut">
               <a:rPr lang="en-US" smtClean="0"/>
               <a:pPr/>
-              <a:t>10/2/2010</a:t>
+              <a:t>12/7/2010</a:t>
             </a:fld>
             <a:endParaRPr lang="en-US"/>
           </a:p>
@@ -3262,7 +3262,7 @@
           <a:lstStyle/>
           <a:p>
             <a:r>
-              <a:rPr lang="en-US" sz="1050" dirty="0" smtClean="0">
+              <a:rPr lang="en-US" sz="1050" smtClean="0">
                 <a:solidFill>
                   <a:schemeClr val="tx1">
                     <a:lumMod val="65000"/>
@@ -3273,7 +3273,7 @@
               <a:t>Release </a:t>
             </a:r>
             <a:r>
-              <a:rPr lang="en-US" sz="1050" dirty="0" smtClean="0">
+              <a:rPr lang="en-US" sz="1050" smtClean="0">
                 <a:solidFill>
                   <a:schemeClr val="tx1">
                     <a:lumMod val="65000"/>
@@ -3281,7 +3281,7 @@
                   </a:schemeClr>
                 </a:solidFill>
               </a:rPr>
-              <a:t>1.1.1</a:t>
+              <a:t>1.1.2</a:t>
             </a:r>
             <a:endParaRPr lang="en-US" sz="1050" dirty="0">
               <a:solidFill>

--- a/ca.mcgill.cs.swevo.qualyzer/splash.pptx
+++ b/ca.mcgill.cs.swevo.qualyzer/splash.pptx
@@ -289,7 +289,7 @@
             <a:fld id="{77CFC0F2-488D-422B-ADC0-4A8D12F54259}" type="datetimeFigureOut">
               <a:rPr lang="en-US" smtClean="0"/>
               <a:pPr/>
-              <a:t>12/7/2010</a:t>
+              <a:t>11/8/2011</a:t>
             </a:fld>
             <a:endParaRPr lang="en-US"/>
           </a:p>
@@ -456,7 +456,7 @@
             <a:fld id="{77CFC0F2-488D-422B-ADC0-4A8D12F54259}" type="datetimeFigureOut">
               <a:rPr lang="en-US" smtClean="0"/>
               <a:pPr/>
-              <a:t>12/7/2010</a:t>
+              <a:t>11/8/2011</a:t>
             </a:fld>
             <a:endParaRPr lang="en-US"/>
           </a:p>
@@ -633,7 +633,7 @@
             <a:fld id="{77CFC0F2-488D-422B-ADC0-4A8D12F54259}" type="datetimeFigureOut">
               <a:rPr lang="en-US" smtClean="0"/>
               <a:pPr/>
-              <a:t>12/7/2010</a:t>
+              <a:t>11/8/2011</a:t>
             </a:fld>
             <a:endParaRPr lang="en-US"/>
           </a:p>
@@ -800,7 +800,7 @@
             <a:fld id="{77CFC0F2-488D-422B-ADC0-4A8D12F54259}" type="datetimeFigureOut">
               <a:rPr lang="en-US" smtClean="0"/>
               <a:pPr/>
-              <a:t>12/7/2010</a:t>
+              <a:t>11/8/2011</a:t>
             </a:fld>
             <a:endParaRPr lang="en-US"/>
           </a:p>
@@ -1043,7 +1043,7 @@
             <a:fld id="{77CFC0F2-488D-422B-ADC0-4A8D12F54259}" type="datetimeFigureOut">
               <a:rPr lang="en-US" smtClean="0"/>
               <a:pPr/>
-              <a:t>12/7/2010</a:t>
+              <a:t>11/8/2011</a:t>
             </a:fld>
             <a:endParaRPr lang="en-US"/>
           </a:p>
@@ -1328,7 +1328,7 @@
             <a:fld id="{77CFC0F2-488D-422B-ADC0-4A8D12F54259}" type="datetimeFigureOut">
               <a:rPr lang="en-US" smtClean="0"/>
               <a:pPr/>
-              <a:t>12/7/2010</a:t>
+              <a:t>11/8/2011</a:t>
             </a:fld>
             <a:endParaRPr lang="en-US"/>
           </a:p>
@@ -1747,7 +1747,7 @@
             <a:fld id="{77CFC0F2-488D-422B-ADC0-4A8D12F54259}" type="datetimeFigureOut">
               <a:rPr lang="en-US" smtClean="0"/>
               <a:pPr/>
-              <a:t>12/7/2010</a:t>
+              <a:t>11/8/2011</a:t>
             </a:fld>
             <a:endParaRPr lang="en-US"/>
           </a:p>
@@ -1862,7 +1862,7 @@
             <a:fld id="{77CFC0F2-488D-422B-ADC0-4A8D12F54259}" type="datetimeFigureOut">
               <a:rPr lang="en-US" smtClean="0"/>
               <a:pPr/>
-              <a:t>12/7/2010</a:t>
+              <a:t>11/8/2011</a:t>
             </a:fld>
             <a:endParaRPr lang="en-US"/>
           </a:p>
@@ -1954,7 +1954,7 @@
             <a:fld id="{77CFC0F2-488D-422B-ADC0-4A8D12F54259}" type="datetimeFigureOut">
               <a:rPr lang="en-US" smtClean="0"/>
               <a:pPr/>
-              <a:t>12/7/2010</a:t>
+              <a:t>11/8/2011</a:t>
             </a:fld>
             <a:endParaRPr lang="en-US"/>
           </a:p>
@@ -2228,7 +2228,7 @@
             <a:fld id="{77CFC0F2-488D-422B-ADC0-4A8D12F54259}" type="datetimeFigureOut">
               <a:rPr lang="en-US" smtClean="0"/>
               <a:pPr/>
-              <a:t>12/7/2010</a:t>
+              <a:t>11/8/2011</a:t>
             </a:fld>
             <a:endParaRPr lang="en-US"/>
           </a:p>
@@ -2478,7 +2478,7 @@
             <a:fld id="{77CFC0F2-488D-422B-ADC0-4A8D12F54259}" type="datetimeFigureOut">
               <a:rPr lang="en-US" smtClean="0"/>
               <a:pPr/>
-              <a:t>12/7/2010</a:t>
+              <a:t>11/8/2011</a:t>
             </a:fld>
             <a:endParaRPr lang="en-US"/>
           </a:p>
@@ -2688,7 +2688,7 @@
             <a:fld id="{77CFC0F2-488D-422B-ADC0-4A8D12F54259}" type="datetimeFigureOut">
               <a:rPr lang="en-US" smtClean="0"/>
               <a:pPr/>
-              <a:t>12/7/2010</a:t>
+              <a:t>11/8/2011</a:t>
             </a:fld>
             <a:endParaRPr lang="en-US"/>
           </a:p>
@@ -3073,6 +3073,11 @@
           <a:prstGeom prst="rect">
             <a:avLst/>
           </a:prstGeom>
+          <a:solidFill>
+            <a:schemeClr val="accent1">
+              <a:lumMod val="50000"/>
+            </a:schemeClr>
+          </a:solidFill>
           <a:ln>
             <a:noFill/>
           </a:ln>
@@ -3198,10 +3203,7 @@
             <a:r>
               <a:rPr lang="en-US" sz="900" dirty="0" smtClean="0">
                 <a:solidFill>
-                  <a:schemeClr val="tx1">
-                    <a:lumMod val="65000"/>
-                    <a:lumOff val="35000"/>
-                  </a:schemeClr>
+                  <a:schemeClr val="bg1"/>
                 </a:solidFill>
               </a:rPr>
               <a:t>© </a:t>
@@ -3209,10 +3211,7 @@
             <a:r>
               <a:rPr lang="en-US" sz="900" dirty="0" err="1" smtClean="0">
                 <a:solidFill>
-                  <a:schemeClr val="tx1">
-                    <a:lumMod val="65000"/>
-                    <a:lumOff val="35000"/>
-                  </a:schemeClr>
+                  <a:schemeClr val="bg1"/>
                 </a:solidFill>
               </a:rPr>
               <a:t>Qualyzer</a:t>
@@ -3220,20 +3219,22 @@
             <a:r>
               <a:rPr lang="en-US" sz="900" dirty="0" smtClean="0">
                 <a:solidFill>
-                  <a:schemeClr val="tx1">
-                    <a:lumMod val="65000"/>
-                    <a:lumOff val="35000"/>
-                  </a:schemeClr>
+                  <a:schemeClr val="bg1"/>
                 </a:solidFill>
               </a:rPr>
-              <a:t> contributors and others. All rights reserved, 2010.</a:t>
+              <a:t> contributors and others. All rights reserved, </a:t>
+            </a:r>
+            <a:r>
+              <a:rPr lang="en-US" sz="900" dirty="0" smtClean="0">
+                <a:solidFill>
+                  <a:schemeClr val="bg1"/>
+                </a:solidFill>
+              </a:rPr>
+              <a:t>2011.</a:t>
             </a:r>
             <a:endParaRPr lang="en-US" sz="900" dirty="0">
               <a:solidFill>
-                <a:schemeClr val="tx1">
-                  <a:lumMod val="65000"/>
-                  <a:lumOff val="35000"/>
-                </a:schemeClr>
+                <a:schemeClr val="bg1"/>
               </a:solidFill>
             </a:endParaRPr>
           </a:p>
@@ -3248,7 +3249,7 @@
         <p:spPr>
           <a:xfrm>
             <a:off x="4448015" y="3115160"/>
-            <a:ext cx="912429" cy="253916"/>
+            <a:ext cx="809837" cy="253916"/>
           </a:xfrm>
           <a:prstGeom prst="rect">
             <a:avLst/>
@@ -3262,33 +3263,24 @@
           <a:lstStyle/>
           <a:p>
             <a:r>
-              <a:rPr lang="en-US" sz="1050" smtClean="0">
+              <a:rPr lang="en-US" sz="1050" dirty="0" smtClean="0">
                 <a:solidFill>
-                  <a:schemeClr val="tx1">
-                    <a:lumMod val="65000"/>
-                    <a:lumOff val="35000"/>
-                  </a:schemeClr>
+                  <a:schemeClr val="bg1"/>
                 </a:solidFill>
               </a:rPr>
               <a:t>Release </a:t>
             </a:r>
             <a:r>
-              <a:rPr lang="en-US" sz="1050" smtClean="0">
+              <a:rPr lang="en-US" sz="1050" dirty="0" smtClean="0">
                 <a:solidFill>
-                  <a:schemeClr val="tx1">
-                    <a:lumMod val="65000"/>
-                    <a:lumOff val="35000"/>
-                  </a:schemeClr>
+                  <a:schemeClr val="bg1"/>
                 </a:solidFill>
               </a:rPr>
-              <a:t>1.1.2</a:t>
+              <a:t>1.2</a:t>
             </a:r>
             <a:endParaRPr lang="en-US" sz="1050" dirty="0">
               <a:solidFill>
-                <a:schemeClr val="tx1">
-                  <a:lumMod val="65000"/>
-                  <a:lumOff val="35000"/>
-                </a:schemeClr>
+                <a:schemeClr val="bg1"/>
               </a:solidFill>
             </a:endParaRPr>
           </a:p>
@@ -3366,10 +3358,7 @@
               <a:r>
                 <a:rPr lang="en-US" sz="900" dirty="0" smtClean="0">
                   <a:solidFill>
-                    <a:schemeClr val="tx1">
-                      <a:lumMod val="65000"/>
-                      <a:lumOff val="35000"/>
-                    </a:schemeClr>
+                    <a:schemeClr val="bg1"/>
                   </a:solidFill>
                 </a:rPr>
                 <a:t>A project of the McGill University </a:t>
@@ -3379,20 +3368,14 @@
               <a:r>
                 <a:rPr lang="en-US" sz="900" dirty="0" smtClean="0">
                   <a:solidFill>
-                    <a:schemeClr val="tx1">
-                      <a:lumMod val="65000"/>
-                      <a:lumOff val="35000"/>
-                    </a:schemeClr>
+                    <a:schemeClr val="bg1"/>
                   </a:solidFill>
                 </a:rPr>
                 <a:t>School of Computer Science</a:t>
               </a:r>
               <a:endParaRPr lang="en-US" sz="900" dirty="0">
                 <a:solidFill>
-                  <a:schemeClr val="tx1">
-                    <a:lumMod val="65000"/>
-                    <a:lumOff val="35000"/>
-                  </a:schemeClr>
+                  <a:schemeClr val="bg1"/>
                 </a:solidFill>
               </a:endParaRPr>
             </a:p>

--- a/ca.mcgill.cs.swevo.qualyzer/splash.pptx
+++ b/ca.mcgill.cs.swevo.qualyzer/splash.pptx
@@ -1,6 +1,6 @@
 
 <file path=ppt/presentation.xml><?xml version="1.0" encoding="utf-8"?>
-<p:presentation xmlns:a="http://schemas.openxmlformats.org/drawingml/2006/main" xmlns:r="http://schemas.openxmlformats.org/officeDocument/2006/relationships" xmlns:p="http://schemas.openxmlformats.org/presentationml/2006/main" saveSubsetFonts="1">
+<p:presentation xmlns:a="http://schemas.openxmlformats.org/drawingml/2006/main" xmlns:r="http://schemas.openxmlformats.org/officeDocument/2006/relationships" xmlns:p="http://schemas.openxmlformats.org/presentationml/2006/main" serverZoom="33638" saveSubsetFonts="1">
   <p:sldMasterIdLst>
     <p:sldMasterId id="2147483648" r:id="rId1"/>
   </p:sldMasterIdLst>
@@ -289,7 +289,7 @@
             <a:fld id="{77CFC0F2-488D-422B-ADC0-4A8D12F54259}" type="datetimeFigureOut">
               <a:rPr lang="en-US" smtClean="0"/>
               <a:pPr/>
-              <a:t>11/8/2011</a:t>
+              <a:t>2/7/2012</a:t>
             </a:fld>
             <a:endParaRPr lang="en-US"/>
           </a:p>
@@ -456,7 +456,7 @@
             <a:fld id="{77CFC0F2-488D-422B-ADC0-4A8D12F54259}" type="datetimeFigureOut">
               <a:rPr lang="en-US" smtClean="0"/>
               <a:pPr/>
-              <a:t>11/8/2011</a:t>
+              <a:t>2/7/2012</a:t>
             </a:fld>
             <a:endParaRPr lang="en-US"/>
           </a:p>
@@ -633,7 +633,7 @@
             <a:fld id="{77CFC0F2-488D-422B-ADC0-4A8D12F54259}" type="datetimeFigureOut">
               <a:rPr lang="en-US" smtClean="0"/>
               <a:pPr/>
-              <a:t>11/8/2011</a:t>
+              <a:t>2/7/2012</a:t>
             </a:fld>
             <a:endParaRPr lang="en-US"/>
           </a:p>
@@ -800,7 +800,7 @@
             <a:fld id="{77CFC0F2-488D-422B-ADC0-4A8D12F54259}" type="datetimeFigureOut">
               <a:rPr lang="en-US" smtClean="0"/>
               <a:pPr/>
-              <a:t>11/8/2011</a:t>
+              <a:t>2/7/2012</a:t>
             </a:fld>
             <a:endParaRPr lang="en-US"/>
           </a:p>
@@ -1043,7 +1043,7 @@
             <a:fld id="{77CFC0F2-488D-422B-ADC0-4A8D12F54259}" type="datetimeFigureOut">
               <a:rPr lang="en-US" smtClean="0"/>
               <a:pPr/>
-              <a:t>11/8/2011</a:t>
+              <a:t>2/7/2012</a:t>
             </a:fld>
             <a:endParaRPr lang="en-US"/>
           </a:p>
@@ -1328,7 +1328,7 @@
             <a:fld id="{77CFC0F2-488D-422B-ADC0-4A8D12F54259}" type="datetimeFigureOut">
               <a:rPr lang="en-US" smtClean="0"/>
               <a:pPr/>
-              <a:t>11/8/2011</a:t>
+              <a:t>2/7/2012</a:t>
             </a:fld>
             <a:endParaRPr lang="en-US"/>
           </a:p>
@@ -1747,7 +1747,7 @@
             <a:fld id="{77CFC0F2-488D-422B-ADC0-4A8D12F54259}" type="datetimeFigureOut">
               <a:rPr lang="en-US" smtClean="0"/>
               <a:pPr/>
-              <a:t>11/8/2011</a:t>
+              <a:t>2/7/2012</a:t>
             </a:fld>
             <a:endParaRPr lang="en-US"/>
           </a:p>
@@ -1862,7 +1862,7 @@
             <a:fld id="{77CFC0F2-488D-422B-ADC0-4A8D12F54259}" type="datetimeFigureOut">
               <a:rPr lang="en-US" smtClean="0"/>
               <a:pPr/>
-              <a:t>11/8/2011</a:t>
+              <a:t>2/7/2012</a:t>
             </a:fld>
             <a:endParaRPr lang="en-US"/>
           </a:p>
@@ -1954,7 +1954,7 @@
             <a:fld id="{77CFC0F2-488D-422B-ADC0-4A8D12F54259}" type="datetimeFigureOut">
               <a:rPr lang="en-US" smtClean="0"/>
               <a:pPr/>
-              <a:t>11/8/2011</a:t>
+              <a:t>2/7/2012</a:t>
             </a:fld>
             <a:endParaRPr lang="en-US"/>
           </a:p>
@@ -2228,7 +2228,7 @@
             <a:fld id="{77CFC0F2-488D-422B-ADC0-4A8D12F54259}" type="datetimeFigureOut">
               <a:rPr lang="en-US" smtClean="0"/>
               <a:pPr/>
-              <a:t>11/8/2011</a:t>
+              <a:t>2/7/2012</a:t>
             </a:fld>
             <a:endParaRPr lang="en-US"/>
           </a:p>
@@ -2478,7 +2478,7 @@
             <a:fld id="{77CFC0F2-488D-422B-ADC0-4A8D12F54259}" type="datetimeFigureOut">
               <a:rPr lang="en-US" smtClean="0"/>
               <a:pPr/>
-              <a:t>11/8/2011</a:t>
+              <a:t>2/7/2012</a:t>
             </a:fld>
             <a:endParaRPr lang="en-US"/>
           </a:p>
@@ -2688,7 +2688,7 @@
             <a:fld id="{77CFC0F2-488D-422B-ADC0-4A8D12F54259}" type="datetimeFigureOut">
               <a:rPr lang="en-US" smtClean="0"/>
               <a:pPr/>
-              <a:t>11/8/2011</a:t>
+              <a:t>2/7/2012</a:t>
             </a:fld>
             <a:endParaRPr lang="en-US"/>
           </a:p>
@@ -3222,15 +3222,7 @@
                   <a:schemeClr val="bg1"/>
                 </a:solidFill>
               </a:rPr>
-              <a:t> contributors and others. All rights reserved, </a:t>
-            </a:r>
-            <a:r>
-              <a:rPr lang="en-US" sz="900" dirty="0" smtClean="0">
-                <a:solidFill>
-                  <a:schemeClr val="bg1"/>
-                </a:solidFill>
-              </a:rPr>
-              <a:t>2011.</a:t>
+              <a:t> contributors and others. All rights reserved, 2011.</a:t>
             </a:r>
             <a:endParaRPr lang="en-US" sz="900" dirty="0">
               <a:solidFill>
@@ -3249,7 +3241,7 @@
         <p:spPr>
           <a:xfrm>
             <a:off x="4448015" y="3115160"/>
-            <a:ext cx="809837" cy="253916"/>
+            <a:ext cx="912429" cy="253916"/>
           </a:xfrm>
           <a:prstGeom prst="rect">
             <a:avLst/>
@@ -3276,7 +3268,7 @@
                   <a:schemeClr val="bg1"/>
                 </a:solidFill>
               </a:rPr>
-              <a:t>1.2</a:t>
+              <a:t>1.2.1</a:t>
             </a:r>
             <a:endParaRPr lang="en-US" sz="1050" dirty="0">
               <a:solidFill>
